--- a/final-11610inoys/ＧＰＳで電気代削減.pptx
+++ b/final-11610inoys/ＧＰＳで電気代削減.pptx
@@ -9,7 +9,6 @@
     <p:sldId id="257" r:id="rId3"/>
     <p:sldId id="258" r:id="rId4"/>
     <p:sldId id="259" r:id="rId5"/>
-    <p:sldId id="260" r:id="rId6"/>
   </p:sldIdLst>
   <p:sldSz cx="12192000" cy="6858000"/>
   <p:notesSz cx="6858000" cy="9144000"/>
@@ -108,6 +107,11 @@
       </a:defRPr>
     </a:lvl9pPr>
   </p:defaultTextStyle>
+  <p:extLst>
+    <p:ext uri="{EFAFB233-063F-42B5-8137-9DF3F51BA10A}">
+      <p15:sldGuideLst xmlns:p15="http://schemas.microsoft.com/office/powerpoint/2012/main"/>
+    </p:ext>
+  </p:extLst>
 </p:presentation>
 </file>
 
@@ -242,7 +246,7 @@
           <a:p>
             <a:fld id="{0A1206F0-C4DD-44C3-87AF-E620F56A26D7}" type="datetimeFigureOut">
               <a:rPr kumimoji="1" lang="ja-JP" altLang="en-US" smtClean="0"/>
-              <a:t>2015/12/23</a:t>
+              <a:t>2016/1/13</a:t>
             </a:fld>
             <a:endParaRPr kumimoji="1" lang="ja-JP" altLang="en-US"/>
           </a:p>
@@ -444,7 +448,7 @@
           <a:p>
             <a:fld id="{0A1206F0-C4DD-44C3-87AF-E620F56A26D7}" type="datetimeFigureOut">
               <a:rPr kumimoji="1" lang="ja-JP" altLang="en-US" smtClean="0"/>
-              <a:t>2015/12/23</a:t>
+              <a:t>2016/1/13</a:t>
             </a:fld>
             <a:endParaRPr kumimoji="1" lang="ja-JP" altLang="en-US"/>
           </a:p>
@@ -656,7 +660,7 @@
           <a:p>
             <a:fld id="{0A1206F0-C4DD-44C3-87AF-E620F56A26D7}" type="datetimeFigureOut">
               <a:rPr kumimoji="1" lang="ja-JP" altLang="en-US" smtClean="0"/>
-              <a:t>2015/12/23</a:t>
+              <a:t>2016/1/13</a:t>
             </a:fld>
             <a:endParaRPr kumimoji="1" lang="ja-JP" altLang="en-US"/>
           </a:p>
@@ -858,7 +862,7 @@
           <a:p>
             <a:fld id="{0A1206F0-C4DD-44C3-87AF-E620F56A26D7}" type="datetimeFigureOut">
               <a:rPr kumimoji="1" lang="ja-JP" altLang="en-US" smtClean="0"/>
-              <a:t>2015/12/23</a:t>
+              <a:t>2016/1/13</a:t>
             </a:fld>
             <a:endParaRPr kumimoji="1" lang="ja-JP" altLang="en-US"/>
           </a:p>
@@ -1104,7 +1108,7 @@
           <a:p>
             <a:fld id="{0A1206F0-C4DD-44C3-87AF-E620F56A26D7}" type="datetimeFigureOut">
               <a:rPr kumimoji="1" lang="ja-JP" altLang="en-US" smtClean="0"/>
-              <a:t>2015/12/23</a:t>
+              <a:t>2016/1/13</a:t>
             </a:fld>
             <a:endParaRPr kumimoji="1" lang="ja-JP" altLang="en-US"/>
           </a:p>
@@ -1400,7 +1404,7 @@
           <a:p>
             <a:fld id="{0A1206F0-C4DD-44C3-87AF-E620F56A26D7}" type="datetimeFigureOut">
               <a:rPr kumimoji="1" lang="ja-JP" altLang="en-US" smtClean="0"/>
-              <a:t>2015/12/23</a:t>
+              <a:t>2016/1/13</a:t>
             </a:fld>
             <a:endParaRPr kumimoji="1" lang="ja-JP" altLang="en-US"/>
           </a:p>
@@ -1831,7 +1835,7 @@
           <a:p>
             <a:fld id="{0A1206F0-C4DD-44C3-87AF-E620F56A26D7}" type="datetimeFigureOut">
               <a:rPr kumimoji="1" lang="ja-JP" altLang="en-US" smtClean="0"/>
-              <a:t>2015/12/23</a:t>
+              <a:t>2016/1/13</a:t>
             </a:fld>
             <a:endParaRPr kumimoji="1" lang="ja-JP" altLang="en-US"/>
           </a:p>
@@ -1949,7 +1953,7 @@
           <a:p>
             <a:fld id="{0A1206F0-C4DD-44C3-87AF-E620F56A26D7}" type="datetimeFigureOut">
               <a:rPr kumimoji="1" lang="ja-JP" altLang="en-US" smtClean="0"/>
-              <a:t>2015/12/23</a:t>
+              <a:t>2016/1/13</a:t>
             </a:fld>
             <a:endParaRPr kumimoji="1" lang="ja-JP" altLang="en-US"/>
           </a:p>
@@ -2044,7 +2048,7 @@
           <a:p>
             <a:fld id="{0A1206F0-C4DD-44C3-87AF-E620F56A26D7}" type="datetimeFigureOut">
               <a:rPr kumimoji="1" lang="ja-JP" altLang="en-US" smtClean="0"/>
-              <a:t>2015/12/23</a:t>
+              <a:t>2016/1/13</a:t>
             </a:fld>
             <a:endParaRPr kumimoji="1" lang="ja-JP" altLang="en-US"/>
           </a:p>
@@ -2353,7 +2357,7 @@
           <a:p>
             <a:fld id="{0A1206F0-C4DD-44C3-87AF-E620F56A26D7}" type="datetimeFigureOut">
               <a:rPr kumimoji="1" lang="ja-JP" altLang="en-US" smtClean="0"/>
-              <a:t>2015/12/23</a:t>
+              <a:t>2016/1/13</a:t>
             </a:fld>
             <a:endParaRPr kumimoji="1" lang="ja-JP" altLang="en-US"/>
           </a:p>
@@ -2606,7 +2610,7 @@
           <a:p>
             <a:fld id="{0A1206F0-C4DD-44C3-87AF-E620F56A26D7}" type="datetimeFigureOut">
               <a:rPr kumimoji="1" lang="ja-JP" altLang="en-US" smtClean="0"/>
-              <a:t>2015/12/23</a:t>
+              <a:t>2016/1/13</a:t>
             </a:fld>
             <a:endParaRPr kumimoji="1" lang="ja-JP" altLang="en-US"/>
           </a:p>
@@ -2851,7 +2855,7 @@
           <a:p>
             <a:fld id="{0A1206F0-C4DD-44C3-87AF-E620F56A26D7}" type="datetimeFigureOut">
               <a:rPr kumimoji="1" lang="ja-JP" altLang="en-US" smtClean="0"/>
-              <a:t>2015/12/23</a:t>
+              <a:t>2016/1/13</a:t>
             </a:fld>
             <a:endParaRPr kumimoji="1" lang="ja-JP" altLang="en-US"/>
           </a:p>
@@ -3268,8 +3272,8 @@
         </p:nvSpPr>
         <p:spPr>
           <a:xfrm>
-            <a:off x="1524000" y="558801"/>
-            <a:ext cx="9144000" cy="2951162"/>
+            <a:off x="1524000" y="254000"/>
+            <a:ext cx="9144000" cy="2125133"/>
           </a:xfrm>
         </p:spPr>
         <p:txBody>
@@ -3304,12 +3308,46 @@
             <p:ph type="subTitle" idx="1"/>
           </p:nvPr>
         </p:nvSpPr>
-        <p:spPr/>
-        <p:txBody>
-          <a:bodyPr/>
-          <a:lstStyle/>
-          <a:p>
-            <a:endParaRPr kumimoji="1" lang="ja-JP" altLang="en-US" dirty="0"/>
+        <p:spPr>
+          <a:xfrm>
+            <a:off x="1524000" y="2633133"/>
+            <a:ext cx="9144000" cy="2624667"/>
+          </a:xfrm>
+        </p:spPr>
+        <p:txBody>
+          <a:bodyPr>
+            <a:normAutofit/>
+          </a:bodyPr>
+          <a:lstStyle/>
+          <a:p>
+            <a:endParaRPr lang="en-US" altLang="ja-JP" dirty="0"/>
+          </a:p>
+          <a:p>
+            <a:r>
+              <a:rPr lang="ja-JP" altLang="en-US" sz="4000" dirty="0" smtClean="0"/>
+              <a:t>チーム名「１１６１０</a:t>
+            </a:r>
+            <a:r>
+              <a:rPr lang="en-US" altLang="ja-JP" sz="4000" dirty="0" err="1" smtClean="0"/>
+              <a:t>inoys</a:t>
+            </a:r>
+            <a:r>
+              <a:rPr lang="ja-JP" altLang="en-US" sz="4000" dirty="0" smtClean="0"/>
+              <a:t>」</a:t>
+            </a:r>
+            <a:endParaRPr lang="en-US" altLang="ja-JP" sz="4000" dirty="0" smtClean="0"/>
+          </a:p>
+          <a:p>
+            <a:endParaRPr lang="en-US" altLang="ja-JP" dirty="0" smtClean="0"/>
+          </a:p>
+          <a:p>
+            <a:endParaRPr lang="en-US" altLang="ja-JP" dirty="0" smtClean="0"/>
+          </a:p>
+          <a:p>
+            <a:endParaRPr lang="en-US" altLang="ja-JP" sz="2800" dirty="0" smtClean="0"/>
+          </a:p>
+          <a:p>
+            <a:endParaRPr lang="en-US" altLang="ja-JP" dirty="0" smtClean="0"/>
           </a:p>
         </p:txBody>
       </p:sp>
@@ -3361,14 +3399,14 @@
             <a:r>
               <a:rPr kumimoji="1" lang="ja-JP" altLang="en-US" u="sng" dirty="0" smtClean="0">
                 <a:solidFill>
-                  <a:srgbClr val="FF0000"/>
+                  <a:srgbClr val="00B0F0"/>
                 </a:solidFill>
               </a:rPr>
               <a:t>なぜこれにしたのか？</a:t>
             </a:r>
             <a:endParaRPr kumimoji="1" lang="ja-JP" altLang="en-US" u="sng" dirty="0">
               <a:solidFill>
-                <a:srgbClr val="FF0000"/>
+                <a:srgbClr val="00B0F0"/>
               </a:solidFill>
             </a:endParaRPr>
           </a:p>
@@ -3386,17 +3424,22 @@
         </p:nvSpPr>
         <p:spPr>
           <a:xfrm>
-            <a:off x="838200" y="1520825"/>
+            <a:off x="584200" y="2291292"/>
             <a:ext cx="10515600" cy="1620308"/>
           </a:xfrm>
         </p:spPr>
         <p:txBody>
-          <a:bodyPr/>
-          <a:lstStyle/>
-          <a:p>
+          <a:bodyPr>
+            <a:noAutofit/>
+          </a:bodyPr>
+          <a:lstStyle/>
+          <a:p>
+            <a:pPr marL="0" indent="0">
+              <a:buNone/>
+            </a:pPr>
             <a:r>
               <a:rPr kumimoji="1" lang="ja-JP" altLang="en-US" dirty="0" smtClean="0"/>
-              <a:t>朝忙しい時、急いでるときなどエアコンの</a:t>
+              <a:t>・朝忙しい時、急いでるときなどエアコンの</a:t>
             </a:r>
             <a:r>
               <a:rPr kumimoji="1" lang="ja-JP" altLang="en-US" u="sng" dirty="0" smtClean="0">
@@ -3426,7 +3469,7 @@
             </a:r>
             <a:r>
               <a:rPr lang="ja-JP" altLang="en-US" dirty="0" smtClean="0"/>
-              <a:t>で電気代が無駄にかかってしまう。</a:t>
+              <a:t>で電気代が無駄にかかってしまう（皆さんにもあるかも？）。</a:t>
             </a:r>
             <a:endParaRPr lang="en-US" altLang="ja-JP" dirty="0" smtClean="0"/>
           </a:p>
@@ -3434,11 +3477,25 @@
             <a:pPr marL="0" indent="0">
               <a:buNone/>
             </a:pPr>
+            <a:endParaRPr lang="en-US" altLang="ja-JP" dirty="0" smtClean="0"/>
+          </a:p>
+          <a:p>
+            <a:pPr marL="0" indent="0">
+              <a:buNone/>
+            </a:pPr>
+            <a:r>
+              <a:rPr lang="ja-JP" altLang="en-US" dirty="0" smtClean="0"/>
+              <a:t>・</a:t>
+            </a:r>
             <a:r>
               <a:rPr kumimoji="1" lang="ja-JP" altLang="en-US" dirty="0" smtClean="0"/>
-              <a:t>また節電と言われている世の中で少しでもいいから節電</a:t>
-            </a:r>
-            <a:endParaRPr kumimoji="1" lang="ja-JP" altLang="en-US" dirty="0"/>
+              <a:t>節電と言われている世の中で少しでもいいから節電</a:t>
+            </a:r>
+            <a:r>
+              <a:rPr lang="ja-JP" altLang="en-US" dirty="0" smtClean="0"/>
+              <a:t>（電気代が高い！）</a:t>
+            </a:r>
+            <a:endParaRPr kumimoji="1" lang="en-US" altLang="ja-JP" dirty="0" smtClean="0"/>
           </a:p>
         </p:txBody>
       </p:sp>
@@ -3529,7 +3586,7 @@
         <p:spPr>
           <a:xfrm>
             <a:off x="838200" y="2062692"/>
-            <a:ext cx="10515600" cy="1764242"/>
+            <a:ext cx="10515600" cy="3753908"/>
           </a:xfrm>
         </p:spPr>
         <p:txBody>
@@ -3574,6 +3631,56 @@
               <a:rPr lang="ja-JP" altLang="en-US" dirty="0" smtClean="0"/>
               <a:t>万円</a:t>
             </a:r>
+            <a:endParaRPr lang="en-US" altLang="ja-JP" dirty="0" smtClean="0"/>
+          </a:p>
+          <a:p>
+            <a:endParaRPr lang="en-US" altLang="ja-JP" dirty="0"/>
+          </a:p>
+          <a:p>
+            <a:endParaRPr lang="en-US" altLang="ja-JP" dirty="0" smtClean="0"/>
+          </a:p>
+          <a:p>
+            <a:r>
+              <a:rPr lang="ja-JP" altLang="en-US" dirty="0"/>
+              <a:t>支援</a:t>
+            </a:r>
+            <a:r>
+              <a:rPr lang="ja-JP" altLang="en-US" dirty="0" smtClean="0"/>
+              <a:t>の金額合計　　第一目標金額２１万円を予定　達成したら資金を増やす。</a:t>
+            </a:r>
+            <a:endParaRPr lang="en-US" altLang="ja-JP" dirty="0" smtClean="0"/>
+          </a:p>
+          <a:p>
+            <a:endParaRPr lang="en-US" altLang="ja-JP" dirty="0"/>
+          </a:p>
+          <a:p>
+            <a:endParaRPr lang="en-US" altLang="ja-JP" dirty="0" smtClean="0"/>
+          </a:p>
+          <a:p>
+            <a:endParaRPr lang="en-US" altLang="ja-JP" dirty="0"/>
+          </a:p>
+          <a:p>
+            <a:pPr marL="0" indent="0">
+              <a:buNone/>
+            </a:pPr>
+            <a:endParaRPr lang="en-US" altLang="ja-JP" dirty="0" smtClean="0"/>
+          </a:p>
+          <a:p>
+            <a:endParaRPr lang="en-US" altLang="ja-JP" dirty="0"/>
+          </a:p>
+          <a:p>
+            <a:endParaRPr lang="en-US" altLang="ja-JP" dirty="0" smtClean="0"/>
+          </a:p>
+          <a:p>
+            <a:pPr marL="0" indent="0">
+              <a:buNone/>
+            </a:pPr>
+            <a:endParaRPr lang="en-US" altLang="ja-JP" dirty="0" smtClean="0"/>
+          </a:p>
+          <a:p>
+            <a:pPr marL="0" indent="0">
+              <a:buNone/>
+            </a:pPr>
             <a:endParaRPr lang="en-US" altLang="ja-JP" dirty="0" smtClean="0"/>
           </a:p>
           <a:p>
@@ -3656,7 +3763,7 @@
         <p:spPr>
           <a:xfrm>
             <a:off x="1820332" y="1868488"/>
-            <a:ext cx="8017933" cy="2062103"/>
+            <a:ext cx="8017933" cy="2554545"/>
           </a:xfrm>
           <a:prstGeom prst="rect">
             <a:avLst/>
@@ -3675,9 +3782,12 @@
             </a:pPr>
             <a:r>
               <a:rPr kumimoji="1" lang="ja-JP" altLang="en-US" sz="3200" dirty="0" smtClean="0"/>
-              <a:t>メールで感謝を送る</a:t>
-            </a:r>
-            <a:endParaRPr kumimoji="1" lang="en-US" altLang="ja-JP" sz="3200" dirty="0" smtClean="0"/>
+              <a:t>メールで感謝を送る→￥</a:t>
+            </a:r>
+            <a:r>
+              <a:rPr kumimoji="1" lang="en-US" altLang="ja-JP" sz="3200" dirty="0" smtClean="0"/>
+              <a:t>500</a:t>
+            </a:r>
           </a:p>
           <a:p>
             <a:pPr marL="342900" indent="-342900">
@@ -3686,9 +3796,12 @@
             </a:pPr>
             <a:r>
               <a:rPr lang="ja-JP" altLang="en-US" sz="3200" dirty="0" smtClean="0"/>
-              <a:t>感謝状</a:t>
-            </a:r>
-            <a:endParaRPr lang="en-US" altLang="ja-JP" sz="3200" dirty="0" smtClean="0"/>
+              <a:t>感謝状→￥</a:t>
+            </a:r>
+            <a:r>
+              <a:rPr lang="en-US" altLang="ja-JP" sz="3200" dirty="0" smtClean="0"/>
+              <a:t>1000</a:t>
+            </a:r>
           </a:p>
           <a:p>
             <a:pPr marL="342900" indent="-342900">
@@ -3696,10 +3809,14 @@
               <a:buAutoNum type="circleNumDbPlain"/>
             </a:pPr>
             <a:r>
-              <a:rPr kumimoji="1" lang="ja-JP" altLang="en-US" sz="3200" dirty="0" smtClean="0"/>
-              <a:t>設計図を送る</a:t>
-            </a:r>
-            <a:endParaRPr kumimoji="1" lang="en-US" altLang="ja-JP" sz="3200" dirty="0" smtClean="0"/>
+              <a:rPr lang="ja-JP" altLang="en-US" sz="3200" dirty="0" smtClean="0"/>
+              <a:t>使っていたエアコンを無料買取→￥</a:t>
+            </a:r>
+            <a:r>
+              <a:rPr lang="en-US" altLang="ja-JP" sz="3200" dirty="0" smtClean="0"/>
+              <a:t>5000</a:t>
+            </a:r>
+            <a:endParaRPr lang="en-US" altLang="ja-JP" sz="3200" dirty="0" smtClean="0"/>
           </a:p>
           <a:p>
             <a:pPr marL="342900" indent="-342900">
@@ -3707,65 +3824,36 @@
               <a:buAutoNum type="circleNumDbPlain"/>
             </a:pPr>
             <a:r>
+              <a:rPr kumimoji="1" lang="ja-JP" altLang="en-US" sz="3200" dirty="0" smtClean="0"/>
+              <a:t>設計図を送る→￥</a:t>
+            </a:r>
+            <a:r>
+              <a:rPr kumimoji="1" lang="en-US" altLang="ja-JP" sz="3200" dirty="0" smtClean="0"/>
+              <a:t>10000</a:t>
+            </a:r>
+          </a:p>
+          <a:p>
+            <a:pPr marL="342900" indent="-342900">
+              <a:buFont typeface="+mj-ea"/>
+              <a:buAutoNum type="circleNumDbPlain"/>
+            </a:pPr>
+            <a:r>
               <a:rPr lang="ja-JP" altLang="en-US" sz="3200" dirty="0" smtClean="0"/>
-              <a:t>試作品をそのお家で使ってお試しができる</a:t>
+              <a:t>試作品</a:t>
+            </a:r>
+            <a:r>
+              <a:rPr lang="ja-JP" altLang="en-US" sz="3200" dirty="0"/>
+              <a:t>の</a:t>
+            </a:r>
+            <a:r>
+              <a:rPr lang="ja-JP" altLang="en-US" sz="3200" dirty="0" smtClean="0"/>
+              <a:t>お試しができる→￥</a:t>
+            </a:r>
+            <a:r>
+              <a:rPr lang="en-US" altLang="ja-JP" sz="3200" dirty="0" smtClean="0"/>
+              <a:t>15000</a:t>
             </a:r>
             <a:endParaRPr kumimoji="1" lang="ja-JP" altLang="en-US" sz="3200" dirty="0"/>
-          </a:p>
-        </p:txBody>
-      </p:sp>
-      <p:sp>
-        <p:nvSpPr>
-          <p:cNvPr id="6" name="下リボン 5"/>
-          <p:cNvSpPr/>
-          <p:nvPr/>
-        </p:nvSpPr>
-        <p:spPr>
-          <a:xfrm>
-            <a:off x="1913467" y="4487333"/>
-            <a:ext cx="8034866" cy="1642534"/>
-          </a:xfrm>
-          <a:prstGeom prst="ribbon">
-            <a:avLst>
-              <a:gd name="adj1" fmla="val 16667"/>
-              <a:gd name="adj2" fmla="val 74868"/>
-            </a:avLst>
-          </a:prstGeom>
-        </p:spPr>
-        <p:style>
-          <a:lnRef idx="2">
-            <a:schemeClr val="accent2">
-              <a:shade val="50000"/>
-            </a:schemeClr>
-          </a:lnRef>
-          <a:fillRef idx="1">
-            <a:schemeClr val="accent2"/>
-          </a:fillRef>
-          <a:effectRef idx="0">
-            <a:schemeClr val="accent2"/>
-          </a:effectRef>
-          <a:fontRef idx="minor">
-            <a:schemeClr val="lt1"/>
-          </a:fontRef>
-        </p:style>
-        <p:txBody>
-          <a:bodyPr rtlCol="0" anchor="ctr"/>
-          <a:lstStyle/>
-          <a:p>
-            <a:pPr algn="ctr"/>
-            <a:r>
-              <a:rPr kumimoji="1" lang="ja-JP" altLang="en-US" sz="2800" dirty="0" smtClean="0">
-                <a:solidFill>
-                  <a:schemeClr val="bg1"/>
-                </a:solidFill>
-              </a:rPr>
-              <a:t>まだ確定の金額は設定していません。</a:t>
-            </a:r>
-            <a:endParaRPr kumimoji="1" lang="ja-JP" altLang="en-US" sz="2800" dirty="0">
-              <a:solidFill>
-                <a:schemeClr val="bg1"/>
-              </a:solidFill>
-            </a:endParaRPr>
           </a:p>
         </p:txBody>
       </p:sp>
@@ -3773,36 +3861,6 @@
     <p:extLst>
       <p:ext uri="{BB962C8B-B14F-4D97-AF65-F5344CB8AC3E}">
         <p14:creationId xmlns:p14="http://schemas.microsoft.com/office/powerpoint/2010/main" val="37479677"/>
-      </p:ext>
-    </p:extLst>
-  </p:cSld>
-  <p:clrMapOvr>
-    <a:masterClrMapping/>
-  </p:clrMapOvr>
-</p:sld>
-</file>
-
-<file path=ppt/slides/slide5.xml><?xml version="1.0" encoding="utf-8"?>
-<p:sld xmlns:a="http://schemas.openxmlformats.org/drawingml/2006/main" xmlns:r="http://schemas.openxmlformats.org/officeDocument/2006/relationships" xmlns:p="http://schemas.openxmlformats.org/presentationml/2006/main">
-  <p:cSld>
-    <p:spTree>
-      <p:nvGrpSpPr>
-        <p:cNvPr id="1" name=""/>
-        <p:cNvGrpSpPr/>
-        <p:nvPr/>
-      </p:nvGrpSpPr>
-      <p:grpSpPr>
-        <a:xfrm>
-          <a:off x="0" y="0"/>
-          <a:ext cx="0" cy="0"/>
-          <a:chOff x="0" y="0"/>
-          <a:chExt cx="0" cy="0"/>
-        </a:xfrm>
-      </p:grpSpPr>
-    </p:spTree>
-    <p:extLst>
-      <p:ext uri="{BB962C8B-B14F-4D97-AF65-F5344CB8AC3E}">
-        <p14:creationId xmlns:p14="http://schemas.microsoft.com/office/powerpoint/2010/main" val="3101355304"/>
       </p:ext>
     </p:extLst>
   </p:cSld>
